--- a/01-Introduction-into-Course.pptx
+++ b/01-Introduction-into-Course.pptx
@@ -4525,7 +4525,7 @@
         </p:spPr>
         <p:txBody>
           <a:bodyPr>
-            <a:normAutofit fontScale="92500"/>
+            <a:normAutofit fontScale="92500" lnSpcReduction="20000"/>
           </a:bodyPr>
           <a:lstStyle/>
           <a:p>
@@ -4669,8 +4669,86 @@
                   </a:schemeClr>
                 </a:solidFill>
               </a:rPr>
-              <a:t> [at] gmail [dot] com </a:t>
-            </a:r>
+              <a:t> [at] gmail [dot] </a:t>
+            </a:r>
+            <a:r>
+              <a:rPr lang="en-US" dirty="0" smtClean="0">
+                <a:solidFill>
+                  <a:schemeClr val="bg1">
+                    <a:lumMod val="95000"/>
+                  </a:schemeClr>
+                </a:solidFill>
+              </a:rPr>
+              <a:t>com</a:t>
+            </a:r>
+          </a:p>
+          <a:p>
+            <a:pPr marL="0" indent="0">
+              <a:buNone/>
+            </a:pPr>
+            <a:r>
+              <a:rPr lang="en-US" dirty="0">
+                <a:solidFill>
+                  <a:schemeClr val="bg1">
+                    <a:lumMod val="95000"/>
+                  </a:schemeClr>
+                </a:solidFill>
+              </a:rPr>
+              <a:t> </a:t>
+            </a:r>
+            <a:r>
+              <a:rPr lang="en-US" dirty="0" smtClean="0">
+                <a:solidFill>
+                  <a:schemeClr val="bg1">
+                    <a:lumMod val="95000"/>
+                  </a:schemeClr>
+                </a:solidFill>
+              </a:rPr>
+              <a:t>   </a:t>
+            </a:r>
+            <a:r>
+              <a:rPr lang="bg-BG" dirty="0" smtClean="0">
+                <a:solidFill>
+                  <a:schemeClr val="bg1">
+                    <a:lumMod val="95000"/>
+                  </a:schemeClr>
+                </a:solidFill>
+              </a:rPr>
+              <a:t>както </a:t>
+            </a:r>
+            <a:r>
+              <a:rPr lang="bg-BG" dirty="0">
+                <a:solidFill>
+                  <a:schemeClr val="bg1">
+                    <a:lumMod val="95000"/>
+                  </a:schemeClr>
+                </a:solidFill>
+              </a:rPr>
+              <a:t>и </a:t>
+            </a:r>
+            <a:r>
+              <a:rPr lang="en-US" dirty="0">
+                <a:solidFill>
+                  <a:schemeClr val="bg1">
+                    <a:lumMod val="95000"/>
+                  </a:schemeClr>
+                </a:solidFill>
+              </a:rPr>
+              <a:t>student [at] soft-intellect [dot] com </a:t>
+            </a:r>
+            <a:endParaRPr lang="bg-BG" dirty="0">
+              <a:solidFill>
+                <a:schemeClr val="bg1">
+                  <a:lumMod val="95000"/>
+                </a:schemeClr>
+              </a:solidFill>
+            </a:endParaRPr>
+          </a:p>
+          <a:p>
+            <a:pPr>
+              <a:buFont typeface="Wingdings" panose="05000000000000000000" pitchFamily="2" charset="2"/>
+              <a:buChar char="§"/>
+            </a:pPr>
             <a:endParaRPr lang="bg-BG" dirty="0">
               <a:solidFill>
                 <a:schemeClr val="bg1">

--- a/01-Introduction-into-Course.pptx
+++ b/01-Introduction-into-Course.pptx
@@ -10,8 +10,7 @@
     <p:sldId id="257" r:id="rId4"/>
     <p:sldId id="259" r:id="rId5"/>
     <p:sldId id="260" r:id="rId6"/>
-    <p:sldId id="262" r:id="rId7"/>
-    <p:sldId id="261" r:id="rId8"/>
+    <p:sldId id="261" r:id="rId7"/>
   </p:sldIdLst>
   <p:sldSz cx="9144000" cy="6858000" type="screen4x3"/>
   <p:notesSz cx="6858000" cy="9144000"/>
@@ -310,7 +309,7 @@
           <a:p>
             <a:fld id="{3EA744D9-3FBE-48D8-BF2A-85DF203E4D20}" type="datetimeFigureOut">
               <a:rPr lang="bg-BG" smtClean="0"/>
-              <a:t>12.10.2015 г.</a:t>
+              <a:t>27.9.2016 г.</a:t>
             </a:fld>
             <a:endParaRPr lang="bg-BG"/>
           </a:p>
@@ -480,7 +479,7 @@
           <a:p>
             <a:fld id="{3EA744D9-3FBE-48D8-BF2A-85DF203E4D20}" type="datetimeFigureOut">
               <a:rPr lang="bg-BG" smtClean="0"/>
-              <a:t>12.10.2015 г.</a:t>
+              <a:t>27.9.2016 г.</a:t>
             </a:fld>
             <a:endParaRPr lang="bg-BG"/>
           </a:p>
@@ -660,7 +659,7 @@
           <a:p>
             <a:fld id="{3EA744D9-3FBE-48D8-BF2A-85DF203E4D20}" type="datetimeFigureOut">
               <a:rPr lang="bg-BG" smtClean="0"/>
-              <a:t>12.10.2015 г.</a:t>
+              <a:t>27.9.2016 г.</a:t>
             </a:fld>
             <a:endParaRPr lang="bg-BG"/>
           </a:p>
@@ -830,7 +829,7 @@
           <a:p>
             <a:fld id="{3EA744D9-3FBE-48D8-BF2A-85DF203E4D20}" type="datetimeFigureOut">
               <a:rPr lang="bg-BG" smtClean="0"/>
-              <a:t>12.10.2015 г.</a:t>
+              <a:t>27.9.2016 г.</a:t>
             </a:fld>
             <a:endParaRPr lang="bg-BG"/>
           </a:p>
@@ -1076,7 +1075,7 @@
           <a:p>
             <a:fld id="{3EA744D9-3FBE-48D8-BF2A-85DF203E4D20}" type="datetimeFigureOut">
               <a:rPr lang="bg-BG" smtClean="0"/>
-              <a:t>12.10.2015 г.</a:t>
+              <a:t>27.9.2016 г.</a:t>
             </a:fld>
             <a:endParaRPr lang="bg-BG"/>
           </a:p>
@@ -1364,7 +1363,7 @@
           <a:p>
             <a:fld id="{3EA744D9-3FBE-48D8-BF2A-85DF203E4D20}" type="datetimeFigureOut">
               <a:rPr lang="bg-BG" smtClean="0"/>
-              <a:t>12.10.2015 г.</a:t>
+              <a:t>27.9.2016 г.</a:t>
             </a:fld>
             <a:endParaRPr lang="bg-BG"/>
           </a:p>
@@ -1786,7 +1785,7 @@
           <a:p>
             <a:fld id="{3EA744D9-3FBE-48D8-BF2A-85DF203E4D20}" type="datetimeFigureOut">
               <a:rPr lang="bg-BG" smtClean="0"/>
-              <a:t>12.10.2015 г.</a:t>
+              <a:t>27.9.2016 г.</a:t>
             </a:fld>
             <a:endParaRPr lang="bg-BG"/>
           </a:p>
@@ -1904,7 +1903,7 @@
           <a:p>
             <a:fld id="{3EA744D9-3FBE-48D8-BF2A-85DF203E4D20}" type="datetimeFigureOut">
               <a:rPr lang="bg-BG" smtClean="0"/>
-              <a:t>12.10.2015 г.</a:t>
+              <a:t>27.9.2016 г.</a:t>
             </a:fld>
             <a:endParaRPr lang="bg-BG"/>
           </a:p>
@@ -1999,7 +1998,7 @@
           <a:p>
             <a:fld id="{3EA744D9-3FBE-48D8-BF2A-85DF203E4D20}" type="datetimeFigureOut">
               <a:rPr lang="bg-BG" smtClean="0"/>
-              <a:t>12.10.2015 г.</a:t>
+              <a:t>27.9.2016 г.</a:t>
             </a:fld>
             <a:endParaRPr lang="bg-BG"/>
           </a:p>
@@ -2276,7 +2275,7 @@
           <a:p>
             <a:fld id="{3EA744D9-3FBE-48D8-BF2A-85DF203E4D20}" type="datetimeFigureOut">
               <a:rPr lang="bg-BG" smtClean="0"/>
-              <a:t>12.10.2015 г.</a:t>
+              <a:t>27.9.2016 г.</a:t>
             </a:fld>
             <a:endParaRPr lang="bg-BG"/>
           </a:p>
@@ -2529,7 +2528,7 @@
           <a:p>
             <a:fld id="{3EA744D9-3FBE-48D8-BF2A-85DF203E4D20}" type="datetimeFigureOut">
               <a:rPr lang="bg-BG" smtClean="0"/>
-              <a:t>12.10.2015 г.</a:t>
+              <a:t>27.9.2016 г.</a:t>
             </a:fld>
             <a:endParaRPr lang="bg-BG"/>
           </a:p>
@@ -2751,7 +2750,7 @@
           <a:p>
             <a:fld id="{3EA744D9-3FBE-48D8-BF2A-85DF203E4D20}" type="datetimeFigureOut">
               <a:rPr lang="bg-BG" smtClean="0"/>
-              <a:t>12.10.2015 г.</a:t>
+              <a:t>27.9.2016 г.</a:t>
             </a:fld>
             <a:endParaRPr lang="bg-BG"/>
           </a:p>
@@ -3485,7 +3484,17 @@
                   </a:schemeClr>
                 </a:solidFill>
               </a:rPr>
-              <a:t>Всеки понеделник и сряда 19:00 </a:t>
+              <a:t>Всеки </a:t>
+            </a:r>
+            <a:r>
+              <a:rPr lang="bg-BG" dirty="0" smtClean="0">
+                <a:solidFill>
+                  <a:schemeClr val="bg1">
+                    <a:lumMod val="95000"/>
+                  </a:schemeClr>
+                </a:solidFill>
+              </a:rPr>
+              <a:t>вторник и четвъртък 19:00 </a:t>
             </a:r>
             <a:r>
               <a:rPr lang="bg-BG" dirty="0">
@@ -3511,6 +3520,16 @@
               <a:buChar char="§"/>
             </a:pPr>
             <a:r>
+              <a:rPr lang="bg-BG" dirty="0" smtClean="0">
+                <a:solidFill>
+                  <a:schemeClr val="bg1">
+                    <a:lumMod val="95000"/>
+                  </a:schemeClr>
+                </a:solidFill>
+              </a:rPr>
+              <a:t>27. </a:t>
+            </a:r>
+            <a:r>
               <a:rPr lang="en-US" dirty="0" smtClean="0">
                 <a:solidFill>
                   <a:schemeClr val="bg1">
@@ -3518,7 +3537,7 @@
                   </a:schemeClr>
                 </a:solidFill>
               </a:rPr>
-              <a:t>12</a:t>
+              <a:t>0</a:t>
             </a:r>
             <a:r>
               <a:rPr lang="bg-BG" dirty="0" smtClean="0">
@@ -3528,7 +3547,37 @@
                   </a:schemeClr>
                 </a:solidFill>
               </a:rPr>
-              <a:t>. </a:t>
+              <a:t>9. 2016 </a:t>
+            </a:r>
+            <a:r>
+              <a:rPr lang="bg-BG" dirty="0">
+                <a:solidFill>
+                  <a:schemeClr val="bg1">
+                    <a:lumMod val="95000"/>
+                  </a:schemeClr>
+                </a:solidFill>
+              </a:rPr>
+              <a:t>– </a:t>
+            </a:r>
+            <a:r>
+              <a:rPr lang="bg-BG" dirty="0" smtClean="0">
+                <a:solidFill>
+                  <a:schemeClr val="bg1">
+                    <a:lumMod val="95000"/>
+                  </a:schemeClr>
+                </a:solidFill>
+              </a:rPr>
+              <a:t>13</a:t>
+            </a:r>
+            <a:r>
+              <a:rPr lang="bg-BG" dirty="0" smtClean="0">
+                <a:solidFill>
+                  <a:schemeClr val="bg1">
+                    <a:lumMod val="95000"/>
+                  </a:schemeClr>
+                </a:solidFill>
+              </a:rPr>
+              <a:t>.</a:t>
             </a:r>
             <a:r>
               <a:rPr lang="en-US" dirty="0" smtClean="0">
@@ -3538,7 +3587,7 @@
                   </a:schemeClr>
                 </a:solidFill>
               </a:rPr>
-              <a:t>10</a:t>
+              <a:t> 1</a:t>
             </a:r>
             <a:r>
               <a:rPr lang="bg-BG" dirty="0" smtClean="0">
@@ -3548,57 +3597,7 @@
                   </a:schemeClr>
                 </a:solidFill>
               </a:rPr>
-              <a:t>. </a:t>
-            </a:r>
-            <a:r>
-              <a:rPr lang="bg-BG" dirty="0">
-                <a:solidFill>
-                  <a:schemeClr val="bg1">
-                    <a:lumMod val="95000"/>
-                  </a:schemeClr>
-                </a:solidFill>
-              </a:rPr>
-              <a:t>2015 – </a:t>
-            </a:r>
-            <a:r>
-              <a:rPr lang="en-US" dirty="0" smtClean="0">
-                <a:solidFill>
-                  <a:schemeClr val="bg1">
-                    <a:lumMod val="95000"/>
-                  </a:schemeClr>
-                </a:solidFill>
-              </a:rPr>
-              <a:t>05</a:t>
-            </a:r>
-            <a:r>
-              <a:rPr lang="bg-BG" dirty="0" smtClean="0">
-                <a:solidFill>
-                  <a:schemeClr val="bg1">
-                    <a:lumMod val="95000"/>
-                  </a:schemeClr>
-                </a:solidFill>
-              </a:rPr>
-              <a:t>.</a:t>
-            </a:r>
-            <a:r>
-              <a:rPr lang="en-US" dirty="0" smtClean="0">
-                <a:solidFill>
-                  <a:schemeClr val="bg1">
-                    <a:lumMod val="95000"/>
-                  </a:schemeClr>
-                </a:solidFill>
-              </a:rPr>
-              <a:t> 11</a:t>
-            </a:r>
-            <a:r>
-              <a:rPr lang="bg-BG" dirty="0" smtClean="0">
-                <a:solidFill>
-                  <a:schemeClr val="bg1">
-                    <a:lumMod val="95000"/>
-                  </a:schemeClr>
-                </a:solidFill>
-              </a:rPr>
-              <a:t>. </a:t>
+              <a:t>0. </a:t>
             </a:r>
             <a:r>
               <a:rPr lang="bg-BG" dirty="0">
@@ -3634,6 +3633,16 @@
               <a:buChar char="§"/>
             </a:pPr>
             <a:r>
+              <a:rPr lang="bg-BG" dirty="0" smtClean="0">
+                <a:solidFill>
+                  <a:schemeClr val="bg1">
+                    <a:lumMod val="95000"/>
+                  </a:schemeClr>
+                </a:solidFill>
+              </a:rPr>
+              <a:t>18. </a:t>
+            </a:r>
+            <a:r>
               <a:rPr lang="en-US" dirty="0" smtClean="0">
                 <a:solidFill>
                   <a:schemeClr val="bg1">
@@ -3641,7 +3650,7 @@
                   </a:schemeClr>
                 </a:solidFill>
               </a:rPr>
-              <a:t>09</a:t>
+              <a:t>1</a:t>
             </a:r>
             <a:r>
               <a:rPr lang="bg-BG" dirty="0" smtClean="0">
@@ -3651,27 +3660,7 @@
                   </a:schemeClr>
                 </a:solidFill>
               </a:rPr>
-              <a:t>. </a:t>
-            </a:r>
-            <a:r>
-              <a:rPr lang="en-US" dirty="0" smtClean="0">
-                <a:solidFill>
-                  <a:schemeClr val="bg1">
-                    <a:lumMod val="95000"/>
-                  </a:schemeClr>
-                </a:solidFill>
-              </a:rPr>
-              <a:t>11</a:t>
-            </a:r>
-            <a:r>
-              <a:rPr lang="bg-BG" dirty="0" smtClean="0">
-                <a:solidFill>
-                  <a:schemeClr val="bg1">
-                    <a:lumMod val="95000"/>
-                  </a:schemeClr>
-                </a:solidFill>
-              </a:rPr>
-              <a:t>. </a:t>
+              <a:t>0. </a:t>
             </a:r>
             <a:r>
               <a:rPr lang="bg-BG" dirty="0">
@@ -3697,7 +3686,7 @@
                   </a:schemeClr>
                 </a:solidFill>
               </a:rPr>
-              <a:t>12</a:t>
+              <a:t>2</a:t>
             </a:r>
             <a:r>
               <a:rPr lang="bg-BG" dirty="0" smtClean="0">
@@ -3707,7 +3696,7 @@
                   </a:schemeClr>
                 </a:solidFill>
               </a:rPr>
-              <a:t>. </a:t>
+              <a:t>0. </a:t>
             </a:r>
             <a:r>
               <a:rPr lang="en-US" dirty="0" smtClean="0">
@@ -3717,7 +3706,7 @@
                   </a:schemeClr>
                 </a:solidFill>
               </a:rPr>
-              <a:t>11</a:t>
+              <a:t>1</a:t>
             </a:r>
             <a:r>
               <a:rPr lang="bg-BG" dirty="0" smtClean="0">
@@ -3727,7 +3716,7 @@
                   </a:schemeClr>
                 </a:solidFill>
               </a:rPr>
-              <a:t>. </a:t>
+              <a:t>0. </a:t>
             </a:r>
             <a:r>
               <a:rPr lang="bg-BG" dirty="0">
@@ -4197,268 +4186,6 @@
 </file>
 
 <file path=ppt/slides/slide6.xml><?xml version="1.0" encoding="utf-8"?>
-<p:sld xmlns:a="http://schemas.openxmlformats.org/drawingml/2006/main" xmlns:r="http://schemas.openxmlformats.org/officeDocument/2006/relationships" xmlns:p="http://schemas.openxmlformats.org/presentationml/2006/main">
-  <p:cSld>
-    <p:spTree>
-      <p:nvGrpSpPr>
-        <p:cNvPr id="1" name=""/>
-        <p:cNvGrpSpPr/>
-        <p:nvPr/>
-      </p:nvGrpSpPr>
-      <p:grpSpPr>
-        <a:xfrm>
-          <a:off x="0" y="0"/>
-          <a:ext cx="0" cy="0"/>
-          <a:chOff x="0" y="0"/>
-          <a:chExt cx="0" cy="0"/>
-        </a:xfrm>
-      </p:grpSpPr>
-      <p:sp>
-        <p:nvSpPr>
-          <p:cNvPr id="2" name="Title 1"/>
-          <p:cNvSpPr>
-            <a:spLocks noGrp="1"/>
-          </p:cNvSpPr>
-          <p:nvPr>
-            <p:ph type="title"/>
-          </p:nvPr>
-        </p:nvSpPr>
-        <p:spPr>
-          <a:xfrm>
-            <a:off x="838200" y="685800"/>
-            <a:ext cx="8229600" cy="1143000"/>
-          </a:xfrm>
-        </p:spPr>
-        <p:txBody>
-          <a:bodyPr/>
-          <a:lstStyle/>
-          <a:p>
-            <a:pPr algn="l"/>
-            <a:r>
-              <a:rPr lang="bg-BG" dirty="0">
-                <a:solidFill>
-                  <a:schemeClr val="accent6"/>
-                </a:solidFill>
-              </a:rPr>
-              <a:t>За лектора</a:t>
-            </a:r>
-          </a:p>
-        </p:txBody>
-      </p:sp>
-      <p:sp>
-        <p:nvSpPr>
-          <p:cNvPr id="3" name="Content Placeholder 2"/>
-          <p:cNvSpPr>
-            <a:spLocks noGrp="1"/>
-          </p:cNvSpPr>
-          <p:nvPr>
-            <p:ph idx="1"/>
-          </p:nvPr>
-        </p:nvSpPr>
-        <p:spPr>
-          <a:xfrm>
-            <a:off x="762000" y="1676400"/>
-            <a:ext cx="7620000" cy="4525963"/>
-          </a:xfrm>
-        </p:spPr>
-        <p:txBody>
-          <a:bodyPr/>
-          <a:lstStyle/>
-          <a:p>
-            <a:pPr>
-              <a:buFont typeface="Wingdings" panose="05000000000000000000" pitchFamily="2" charset="2"/>
-              <a:buChar char="§"/>
-            </a:pPr>
-            <a:endParaRPr lang="bg-BG" dirty="0">
-              <a:solidFill>
-                <a:schemeClr val="bg1">
-                  <a:lumMod val="95000"/>
-                </a:schemeClr>
-              </a:solidFill>
-            </a:endParaRPr>
-          </a:p>
-          <a:p>
-            <a:pPr>
-              <a:buFont typeface="Wingdings" panose="05000000000000000000" pitchFamily="2" charset="2"/>
-              <a:buChar char="§"/>
-            </a:pPr>
-            <a:endParaRPr lang="bg-BG" dirty="0">
-              <a:solidFill>
-                <a:schemeClr val="bg1">
-                  <a:lumMod val="95000"/>
-                </a:schemeClr>
-              </a:solidFill>
-            </a:endParaRPr>
-          </a:p>
-          <a:p>
-            <a:pPr>
-              <a:buFont typeface="Wingdings" panose="05000000000000000000" pitchFamily="2" charset="2"/>
-              <a:buChar char="§"/>
-            </a:pPr>
-            <a:endParaRPr lang="bg-BG" dirty="0">
-              <a:solidFill>
-                <a:schemeClr val="bg1">
-                  <a:lumMod val="95000"/>
-                </a:schemeClr>
-              </a:solidFill>
-            </a:endParaRPr>
-          </a:p>
-          <a:p>
-            <a:pPr>
-              <a:buFont typeface="Wingdings" panose="05000000000000000000" pitchFamily="2" charset="2"/>
-              <a:buChar char="§"/>
-            </a:pPr>
-            <a:endParaRPr lang="bg-BG" dirty="0">
-              <a:solidFill>
-                <a:schemeClr val="bg1">
-                  <a:lumMod val="95000"/>
-                </a:schemeClr>
-              </a:solidFill>
-            </a:endParaRPr>
-          </a:p>
-          <a:p>
-            <a:pPr>
-              <a:buFont typeface="Wingdings" panose="05000000000000000000" pitchFamily="2" charset="2"/>
-              <a:buChar char="§"/>
-            </a:pPr>
-            <a:r>
-              <a:rPr lang="bg-BG" dirty="0">
-                <a:solidFill>
-                  <a:schemeClr val="bg1">
-                    <a:lumMod val="95000"/>
-                  </a:schemeClr>
-                </a:solidFill>
-              </a:rPr>
-              <a:t>Лазар </a:t>
-            </a:r>
-            <a:r>
-              <a:rPr lang="bg-BG" dirty="0" smtClean="0">
-                <a:solidFill>
-                  <a:schemeClr val="bg1">
-                    <a:lumMod val="95000"/>
-                  </a:schemeClr>
-                </a:solidFill>
-              </a:rPr>
-              <a:t>Сестримски</a:t>
-            </a:r>
-            <a:r>
-              <a:rPr lang="bg-BG" dirty="0">
-                <a:solidFill>
-                  <a:schemeClr val="bg1">
-                    <a:lumMod val="95000"/>
-                  </a:schemeClr>
-                </a:solidFill>
-              </a:rPr>
-              <a:t>	</a:t>
-            </a:r>
-          </a:p>
-          <a:p>
-            <a:pPr>
-              <a:buFont typeface="Wingdings" panose="05000000000000000000" pitchFamily="2" charset="2"/>
-              <a:buChar char="§"/>
-            </a:pPr>
-            <a:r>
-              <a:rPr lang="bg-BG" dirty="0">
-                <a:solidFill>
-                  <a:schemeClr val="bg1">
-                    <a:lumMod val="95000"/>
-                  </a:schemeClr>
-                </a:solidFill>
-              </a:rPr>
-              <a:t>Е-поща: </a:t>
-            </a:r>
-            <a:r>
-              <a:rPr lang="en-US" dirty="0">
-                <a:solidFill>
-                  <a:schemeClr val="bg1">
-                    <a:lumMod val="95000"/>
-                  </a:schemeClr>
-                </a:solidFill>
-              </a:rPr>
-              <a:t>sestrimski [at] gmail [dot] </a:t>
-            </a:r>
-            <a:r>
-              <a:rPr lang="en-US" dirty="0" smtClean="0">
-                <a:solidFill>
-                  <a:schemeClr val="bg1">
-                    <a:lumMod val="95000"/>
-                  </a:schemeClr>
-                </a:solidFill>
-              </a:rPr>
-              <a:t>com</a:t>
-            </a:r>
-            <a:endParaRPr lang="bg-BG" dirty="0">
-              <a:solidFill>
-                <a:schemeClr val="bg1">
-                  <a:lumMod val="95000"/>
-                </a:schemeClr>
-              </a:solidFill>
-            </a:endParaRPr>
-          </a:p>
-        </p:txBody>
-      </p:sp>
-      <p:pic>
-        <p:nvPicPr>
-          <p:cNvPr id="4" name="Picture 2" descr="C:\Users\Lazar\Desktop\lazar-sestrimski.jpg"/>
-          <p:cNvPicPr>
-            <a:picLocks noChangeAspect="1" noChangeArrowheads="1"/>
-          </p:cNvPicPr>
-          <p:nvPr/>
-        </p:nvPicPr>
-        <p:blipFill>
-          <a:blip r:embed="rId2">
-            <a:extLst>
-              <a:ext uri="{28A0092B-C50C-407E-A947-70E740481C1C}">
-                <a14:useLocalDpi xmlns:a14="http://schemas.microsoft.com/office/drawing/2010/main" val="0"/>
-              </a:ext>
-            </a:extLst>
-          </a:blip>
-          <a:srcRect/>
-          <a:stretch>
-            <a:fillRect/>
-          </a:stretch>
-        </p:blipFill>
-        <p:spPr bwMode="auto">
-          <a:xfrm>
-            <a:off x="3352800" y="1828800"/>
-            <a:ext cx="2032000" cy="2032000"/>
-          </a:xfrm>
-          <a:prstGeom prst="rect">
-            <a:avLst/>
-          </a:prstGeom>
-          <a:noFill/>
-          <a:extLst>
-            <a:ext uri="{909E8E84-426E-40DD-AFC4-6F175D3DCCD1}">
-              <a14:hiddenFill xmlns:a14="http://schemas.microsoft.com/office/drawing/2010/main">
-                <a:solidFill>
-                  <a:srgbClr val="FFFFFF"/>
-                </a:solidFill>
-              </a14:hiddenFill>
-            </a:ext>
-          </a:extLst>
-        </p:spPr>
-      </p:pic>
-    </p:spTree>
-    <p:extLst>
-      <p:ext uri="{BB962C8B-B14F-4D97-AF65-F5344CB8AC3E}">
-        <p14:creationId xmlns:p14="http://schemas.microsoft.com/office/powerpoint/2010/main" val="3752567596"/>
-      </p:ext>
-    </p:extLst>
-  </p:cSld>
-  <p:clrMapOvr>
-    <a:masterClrMapping/>
-  </p:clrMapOvr>
-  <p:timing>
-    <p:tnLst>
-      <p:par>
-        <p:cTn id="1" dur="indefinite" restart="never" nodeType="tmRoot"/>
-      </p:par>
-    </p:tnLst>
-  </p:timing>
-</p:sld>
-</file>
-
-<file path=ppt/slides/slide7.xml><?xml version="1.0" encoding="utf-8"?>
 <p:sld xmlns:a="http://schemas.openxmlformats.org/drawingml/2006/main" xmlns:r="http://schemas.openxmlformats.org/officeDocument/2006/relationships" xmlns:p="http://schemas.openxmlformats.org/presentationml/2006/main">
   <p:cSld>
     <p:spTree>
